--- a/End to end project implementation.pptx
+++ b/End to end project implementation.pptx
@@ -3543,6 +3543,86 @@
           </a:prstGeom>
         </p:spPr>
       </p:pic>
+      <p:pic>
+        <p:nvPicPr>
+          <p:cNvPr id="12" name="Picture 11">
+            <a:extLst>
+              <a:ext uri="{FF2B5EF4-FFF2-40B4-BE49-F238E27FC236}">
+                <a16:creationId xmlns:a16="http://schemas.microsoft.com/office/drawing/2014/main" id="{229218AF-B79D-20AC-261C-B7A5923883FD}"/>
+              </a:ext>
+            </a:extLst>
+          </p:cNvPr>
+          <p:cNvPicPr>
+            <a:picLocks noChangeAspect="1"/>
+          </p:cNvPicPr>
+          <p:nvPr/>
+        </p:nvPicPr>
+        <p:blipFill>
+          <a:blip r:embed="rId4"/>
+          <a:stretch>
+            <a:fillRect/>
+          </a:stretch>
+        </p:blipFill>
+        <p:spPr>
+          <a:xfrm>
+            <a:off x="6784258" y="539408"/>
+            <a:ext cx="4886632" cy="2386823"/>
+          </a:xfrm>
+          <a:prstGeom prst="rect">
+            <a:avLst/>
+          </a:prstGeom>
+        </p:spPr>
+      </p:pic>
+      <p:sp>
+        <p:nvSpPr>
+          <p:cNvPr id="13" name="TextBox 12">
+            <a:extLst>
+              <a:ext uri="{FF2B5EF4-FFF2-40B4-BE49-F238E27FC236}">
+                <a16:creationId xmlns:a16="http://schemas.microsoft.com/office/drawing/2014/main" id="{55AC5EBB-22D4-4FD7-E337-F2710252F866}"/>
+              </a:ext>
+            </a:extLst>
+          </p:cNvPr>
+          <p:cNvSpPr txBox="1"/>
+          <p:nvPr/>
+        </p:nvSpPr>
+        <p:spPr>
+          <a:xfrm>
+            <a:off x="6096000" y="4901381"/>
+            <a:ext cx="2725994" cy="646331"/>
+          </a:xfrm>
+          <a:prstGeom prst="rect">
+            <a:avLst/>
+          </a:prstGeom>
+          <a:noFill/>
+        </p:spPr>
+        <p:txBody>
+          <a:bodyPr wrap="square" rtlCol="0">
+            <a:spAutoFit/>
+          </a:bodyPr>
+          <a:lstStyle/>
+          <a:p>
+            <a:pPr marL="285750" indent="-285750">
+              <a:buFont typeface="Arial" panose="020B0604020202020204" pitchFamily="34" charset="0"/>
+              <a:buChar char="•"/>
+            </a:pPr>
+            <a:r>
+              <a:rPr lang="en-IN" dirty="0"/>
+              <a:t>git add .</a:t>
+            </a:r>
+          </a:p>
+          <a:p>
+            <a:pPr marL="285750" indent="-285750">
+              <a:buFont typeface="Arial" panose="020B0604020202020204" pitchFamily="34" charset="0"/>
+              <a:buChar char="•"/>
+            </a:pPr>
+            <a:r>
+              <a:rPr lang="en-US" dirty="0"/>
+              <a:t>git push -u origin main</a:t>
+            </a:r>
+            <a:endParaRPr lang="en-IN" dirty="0"/>
+          </a:p>
+        </p:txBody>
+      </p:sp>
     </p:spTree>
     <p:extLst>
       <p:ext uri="{BB962C8B-B14F-4D97-AF65-F5344CB8AC3E}">
